--- a/Larry Prentt/Tarea-4/Tarea-4_LPV.pptx
+++ b/Larry Prentt/Tarea-4/Tarea-4_LPV.pptx
@@ -110,6 +110,11 @@
       </a:defRPr>
     </a:lvl9pPr>
   </p:defaultTextStyle>
+  <p:extLst>
+    <p:ext uri="{EFAFB233-063F-42B5-8137-9DF3F51BA10A}">
+      <p15:sldGuideLst xmlns:p15="http://schemas.microsoft.com/office/powerpoint/2012/main"/>
+    </p:ext>
+  </p:extLst>
 </p:presentation>
 </file>
 
@@ -3798,8 +3803,8 @@
         </p:nvSpPr>
         <p:spPr>
           <a:xfrm>
-            <a:off x="1597981" y="186431"/>
-            <a:ext cx="2533963" cy="369332"/>
+            <a:off x="79900" y="0"/>
+            <a:ext cx="5546327" cy="461665"/>
           </a:xfrm>
           <a:prstGeom prst="rect">
             <a:avLst/>
@@ -3813,28 +3818,8 @@
           <a:lstStyle/>
           <a:p>
             <a:r>
-              <a:rPr lang="es-CO" dirty="0" err="1"/>
-              <a:t>Residuals</a:t>
-            </a:r>
-            <a:r>
-              <a:rPr lang="es-CO" dirty="0"/>
-              <a:t> </a:t>
-            </a:r>
-            <a:r>
-              <a:rPr lang="es-CO" dirty="0" err="1"/>
-              <a:t>plots</a:t>
-            </a:r>
-            <a:r>
-              <a:rPr lang="es-CO" dirty="0"/>
-              <a:t> </a:t>
-            </a:r>
-            <a:r>
-              <a:rPr lang="es-CO" dirty="0" err="1"/>
-              <a:t>for</a:t>
-            </a:r>
-            <a:r>
-              <a:rPr lang="es-CO" dirty="0"/>
-              <a:t> Precio</a:t>
+              <a:rPr lang="es-CO" sz="2400" b="1" dirty="0"/>
+              <a:t>Residuals plots for Quantity Sold vs Precio</a:t>
             </a:r>
           </a:p>
         </p:txBody>
@@ -3883,8 +3868,8 @@
         </p:nvSpPr>
         <p:spPr>
           <a:xfrm>
-            <a:off x="1597981" y="186431"/>
-            <a:ext cx="2923301" cy="369332"/>
+            <a:off x="115411" y="107290"/>
+            <a:ext cx="6038256" cy="461665"/>
           </a:xfrm>
           <a:prstGeom prst="rect">
             <a:avLst/>
@@ -3898,28 +3883,8 @@
           <a:lstStyle/>
           <a:p>
             <a:r>
-              <a:rPr lang="es-CO" dirty="0" err="1"/>
-              <a:t>Residuals</a:t>
-            </a:r>
-            <a:r>
-              <a:rPr lang="es-CO" dirty="0"/>
-              <a:t> </a:t>
-            </a:r>
-            <a:r>
-              <a:rPr lang="es-CO" dirty="0" err="1"/>
-              <a:t>plots</a:t>
-            </a:r>
-            <a:r>
-              <a:rPr lang="es-CO" dirty="0"/>
-              <a:t> </a:t>
-            </a:r>
-            <a:r>
-              <a:rPr lang="es-CO" dirty="0" err="1"/>
-              <a:t>for</a:t>
-            </a:r>
-            <a:r>
-              <a:rPr lang="es-CO" dirty="0"/>
-              <a:t> Publicidad</a:t>
+              <a:rPr lang="es-CO" sz="2400" b="1" dirty="0"/>
+              <a:t>Residuals plots for Quantity Sold vs Publicidad</a:t>
             </a:r>
           </a:p>
         </p:txBody>
